--- a/prezentacie/t07w.pptx
+++ b/prezentacie/t07w.pptx
@@ -252,7 +252,7 @@
           <a:p>
             <a:fld id="{10052495-8BC8-4CFB-94B1-B0429F101A0D}" type="datetimeFigureOut">
               <a:rPr lang="sk-SK" smtClean="0"/>
-              <a:t>9. 10. 2025</a:t>
+              <a:t>13. 10. 2025</a:t>
             </a:fld>
             <a:endParaRPr lang="sk-SK"/>
           </a:p>
@@ -422,7 +422,7 @@
           <a:p>
             <a:fld id="{10052495-8BC8-4CFB-94B1-B0429F101A0D}" type="datetimeFigureOut">
               <a:rPr lang="sk-SK" smtClean="0"/>
-              <a:t>9. 10. 2025</a:t>
+              <a:t>13. 10. 2025</a:t>
             </a:fld>
             <a:endParaRPr lang="sk-SK"/>
           </a:p>
@@ -602,7 +602,7 @@
           <a:p>
             <a:fld id="{10052495-8BC8-4CFB-94B1-B0429F101A0D}" type="datetimeFigureOut">
               <a:rPr lang="sk-SK" smtClean="0"/>
-              <a:t>9. 10. 2025</a:t>
+              <a:t>13. 10. 2025</a:t>
             </a:fld>
             <a:endParaRPr lang="sk-SK"/>
           </a:p>
@@ -772,7 +772,7 @@
           <a:p>
             <a:fld id="{10052495-8BC8-4CFB-94B1-B0429F101A0D}" type="datetimeFigureOut">
               <a:rPr lang="sk-SK" smtClean="0"/>
-              <a:t>9. 10. 2025</a:t>
+              <a:t>13. 10. 2025</a:t>
             </a:fld>
             <a:endParaRPr lang="sk-SK"/>
           </a:p>
@@ -1018,7 +1018,7 @@
           <a:p>
             <a:fld id="{10052495-8BC8-4CFB-94B1-B0429F101A0D}" type="datetimeFigureOut">
               <a:rPr lang="sk-SK" smtClean="0"/>
-              <a:t>9. 10. 2025</a:t>
+              <a:t>13. 10. 2025</a:t>
             </a:fld>
             <a:endParaRPr lang="sk-SK"/>
           </a:p>
@@ -1250,7 +1250,7 @@
           <a:p>
             <a:fld id="{10052495-8BC8-4CFB-94B1-B0429F101A0D}" type="datetimeFigureOut">
               <a:rPr lang="sk-SK" smtClean="0"/>
-              <a:t>9. 10. 2025</a:t>
+              <a:t>13. 10. 2025</a:t>
             </a:fld>
             <a:endParaRPr lang="sk-SK"/>
           </a:p>
@@ -1617,7 +1617,7 @@
           <a:p>
             <a:fld id="{10052495-8BC8-4CFB-94B1-B0429F101A0D}" type="datetimeFigureOut">
               <a:rPr lang="sk-SK" smtClean="0"/>
-              <a:t>9. 10. 2025</a:t>
+              <a:t>13. 10. 2025</a:t>
             </a:fld>
             <a:endParaRPr lang="sk-SK"/>
           </a:p>
@@ -1735,7 +1735,7 @@
           <a:p>
             <a:fld id="{10052495-8BC8-4CFB-94B1-B0429F101A0D}" type="datetimeFigureOut">
               <a:rPr lang="sk-SK" smtClean="0"/>
-              <a:t>9. 10. 2025</a:t>
+              <a:t>13. 10. 2025</a:t>
             </a:fld>
             <a:endParaRPr lang="sk-SK"/>
           </a:p>
@@ -1830,7 +1830,7 @@
           <a:p>
             <a:fld id="{10052495-8BC8-4CFB-94B1-B0429F101A0D}" type="datetimeFigureOut">
               <a:rPr lang="sk-SK" smtClean="0"/>
-              <a:t>9. 10. 2025</a:t>
+              <a:t>13. 10. 2025</a:t>
             </a:fld>
             <a:endParaRPr lang="sk-SK"/>
           </a:p>
@@ -2107,7 +2107,7 @@
           <a:p>
             <a:fld id="{10052495-8BC8-4CFB-94B1-B0429F101A0D}" type="datetimeFigureOut">
               <a:rPr lang="sk-SK" smtClean="0"/>
-              <a:t>9. 10. 2025</a:t>
+              <a:t>13. 10. 2025</a:t>
             </a:fld>
             <a:endParaRPr lang="sk-SK"/>
           </a:p>
@@ -2364,7 +2364,7 @@
           <a:p>
             <a:fld id="{10052495-8BC8-4CFB-94B1-B0429F101A0D}" type="datetimeFigureOut">
               <a:rPr lang="sk-SK" smtClean="0"/>
-              <a:t>9. 10. 2025</a:t>
+              <a:t>13. 10. 2025</a:t>
             </a:fld>
             <a:endParaRPr lang="sk-SK"/>
           </a:p>
@@ -2577,7 +2577,7 @@
           <a:p>
             <a:fld id="{10052495-8BC8-4CFB-94B1-B0429F101A0D}" type="datetimeFigureOut">
               <a:rPr lang="sk-SK" smtClean="0"/>
-              <a:t>9. 10. 2025</a:t>
+              <a:t>13. 10. 2025</a:t>
             </a:fld>
             <a:endParaRPr lang="sk-SK"/>
           </a:p>
@@ -4195,14 +4195,13 @@
               <a:rPr lang="sk-SK" sz="4000" dirty="0"/>
             </a:br>
             <a:r>
+              <a:rPr lang="sk-SK" sz="4000"/>
+              <a:t>Teória </a:t>
+            </a:r>
+            <a:r>
               <a:rPr lang="sk-SK" sz="4000" dirty="0"/>
-              <a:t>Teória </a:t>
-            </a:r>
-            <a:r>
-              <a:rPr lang="en-US" sz="4000" dirty="0"/>
-              <a:t>6</a:t>
-            </a:r>
-            <a:endParaRPr lang="sk-SK" sz="4000" dirty="0"/>
+              <a:t>7</a:t>
+            </a:r>
           </a:p>
         </p:txBody>
       </p:sp>

--- a/prezentacie/t07w.pptx
+++ b/prezentacie/t07w.pptx
@@ -252,7 +252,7 @@
           <a:p>
             <a:fld id="{10052495-8BC8-4CFB-94B1-B0429F101A0D}" type="datetimeFigureOut">
               <a:rPr lang="sk-SK" smtClean="0"/>
-              <a:t>13. 10. 2025</a:t>
+              <a:t>21. 10. 2025</a:t>
             </a:fld>
             <a:endParaRPr lang="sk-SK"/>
           </a:p>
@@ -422,7 +422,7 @@
           <a:p>
             <a:fld id="{10052495-8BC8-4CFB-94B1-B0429F101A0D}" type="datetimeFigureOut">
               <a:rPr lang="sk-SK" smtClean="0"/>
-              <a:t>13. 10. 2025</a:t>
+              <a:t>21. 10. 2025</a:t>
             </a:fld>
             <a:endParaRPr lang="sk-SK"/>
           </a:p>
@@ -602,7 +602,7 @@
           <a:p>
             <a:fld id="{10052495-8BC8-4CFB-94B1-B0429F101A0D}" type="datetimeFigureOut">
               <a:rPr lang="sk-SK" smtClean="0"/>
-              <a:t>13. 10. 2025</a:t>
+              <a:t>21. 10. 2025</a:t>
             </a:fld>
             <a:endParaRPr lang="sk-SK"/>
           </a:p>
@@ -772,7 +772,7 @@
           <a:p>
             <a:fld id="{10052495-8BC8-4CFB-94B1-B0429F101A0D}" type="datetimeFigureOut">
               <a:rPr lang="sk-SK" smtClean="0"/>
-              <a:t>13. 10. 2025</a:t>
+              <a:t>21. 10. 2025</a:t>
             </a:fld>
             <a:endParaRPr lang="sk-SK"/>
           </a:p>
@@ -1018,7 +1018,7 @@
           <a:p>
             <a:fld id="{10052495-8BC8-4CFB-94B1-B0429F101A0D}" type="datetimeFigureOut">
               <a:rPr lang="sk-SK" smtClean="0"/>
-              <a:t>13. 10. 2025</a:t>
+              <a:t>21. 10. 2025</a:t>
             </a:fld>
             <a:endParaRPr lang="sk-SK"/>
           </a:p>
@@ -1250,7 +1250,7 @@
           <a:p>
             <a:fld id="{10052495-8BC8-4CFB-94B1-B0429F101A0D}" type="datetimeFigureOut">
               <a:rPr lang="sk-SK" smtClean="0"/>
-              <a:t>13. 10. 2025</a:t>
+              <a:t>21. 10. 2025</a:t>
             </a:fld>
             <a:endParaRPr lang="sk-SK"/>
           </a:p>
@@ -1617,7 +1617,7 @@
           <a:p>
             <a:fld id="{10052495-8BC8-4CFB-94B1-B0429F101A0D}" type="datetimeFigureOut">
               <a:rPr lang="sk-SK" smtClean="0"/>
-              <a:t>13. 10. 2025</a:t>
+              <a:t>21. 10. 2025</a:t>
             </a:fld>
             <a:endParaRPr lang="sk-SK"/>
           </a:p>
@@ -1735,7 +1735,7 @@
           <a:p>
             <a:fld id="{10052495-8BC8-4CFB-94B1-B0429F101A0D}" type="datetimeFigureOut">
               <a:rPr lang="sk-SK" smtClean="0"/>
-              <a:t>13. 10. 2025</a:t>
+              <a:t>21. 10. 2025</a:t>
             </a:fld>
             <a:endParaRPr lang="sk-SK"/>
           </a:p>
@@ -1830,7 +1830,7 @@
           <a:p>
             <a:fld id="{10052495-8BC8-4CFB-94B1-B0429F101A0D}" type="datetimeFigureOut">
               <a:rPr lang="sk-SK" smtClean="0"/>
-              <a:t>13. 10. 2025</a:t>
+              <a:t>21. 10. 2025</a:t>
             </a:fld>
             <a:endParaRPr lang="sk-SK"/>
           </a:p>
@@ -2107,7 +2107,7 @@
           <a:p>
             <a:fld id="{10052495-8BC8-4CFB-94B1-B0429F101A0D}" type="datetimeFigureOut">
               <a:rPr lang="sk-SK" smtClean="0"/>
-              <a:t>13. 10. 2025</a:t>
+              <a:t>21. 10. 2025</a:t>
             </a:fld>
             <a:endParaRPr lang="sk-SK"/>
           </a:p>
@@ -2364,7 +2364,7 @@
           <a:p>
             <a:fld id="{10052495-8BC8-4CFB-94B1-B0429F101A0D}" type="datetimeFigureOut">
               <a:rPr lang="sk-SK" smtClean="0"/>
-              <a:t>13. 10. 2025</a:t>
+              <a:t>21. 10. 2025</a:t>
             </a:fld>
             <a:endParaRPr lang="sk-SK"/>
           </a:p>
@@ -2577,7 +2577,7 @@
           <a:p>
             <a:fld id="{10052495-8BC8-4CFB-94B1-B0429F101A0D}" type="datetimeFigureOut">
               <a:rPr lang="sk-SK" smtClean="0"/>
-              <a:t>13. 10. 2025</a:t>
+              <a:t>21. 10. 2025</a:t>
             </a:fld>
             <a:endParaRPr lang="sk-SK"/>
           </a:p>
@@ -5879,7 +5879,34 @@
                 </a:highlight>
                 <a:latin typeface="Consolas" panose="020B0609020204030204" pitchFamily="49" charset="0"/>
               </a:rPr>
-              <a:t> </a:t>
+              <a:t> Kal</a:t>
+            </a:r>
+            <a:r>
+              <a:rPr lang="en-US" dirty="0">
+                <a:highlight>
+                  <a:srgbClr val="FFFF00"/>
+                </a:highlight>
+                <a:latin typeface="Consolas" panose="020B0609020204030204" pitchFamily="49" charset="0"/>
+              </a:rPr>
+              <a:t>k</a:t>
+            </a:r>
+            <a:r>
+              <a:rPr lang="sk-SK" dirty="0">
+                <a:highlight>
+                  <a:srgbClr val="FFFF00"/>
+                </a:highlight>
+                <a:latin typeface="Consolas" panose="020B0609020204030204" pitchFamily="49" charset="0"/>
+              </a:rPr>
+              <a:t>u</a:t>
+            </a:r>
+            <a:r>
+              <a:rPr lang="en-US" dirty="0">
+                <a:highlight>
+                  <a:srgbClr val="FFFF00"/>
+                </a:highlight>
+                <a:latin typeface="Consolas" panose="020B0609020204030204" pitchFamily="49" charset="0"/>
+              </a:rPr>
+              <a:t>l</a:t>
             </a:r>
             <a:r>
               <a:rPr lang="sk-SK" dirty="0" err="1">
@@ -5888,7 +5915,7 @@
                 </a:highlight>
                 <a:latin typeface="Consolas" panose="020B0609020204030204" pitchFamily="49" charset="0"/>
               </a:rPr>
-              <a:t>Kalukacka</a:t>
+              <a:t>acka</a:t>
             </a:r>
             <a:r>
               <a:rPr lang="sk-SK" dirty="0">
